--- a/29-electronic-clock/29.pptx
+++ b/29-electronic-clock/29.pptx
@@ -131,7 +131,7 @@
   </p:defaultTextStyle>
   <p:extLst>
     <p:ext uri="{EFAFB233-063F-42B5-8137-9DF3F51BA10A}">
-      <p15:sldGuideLst xmlns="" xmlns:p15="http://schemas.microsoft.com/office/powerpoint/2012/main">
+      <p15:sldGuideLst xmlns:p15="http://schemas.microsoft.com/office/powerpoint/2012/main" xmlns="">
         <p15:guide id="1" orient="horz" pos="2160">
           <p15:clr>
             <a:srgbClr val="A4A3A4"/>
@@ -5610,16 +5610,6 @@
               </a:rPr>
               <a:t>.</a:t>
             </a:r>
-            <a:endParaRPr lang="en-US" altLang="zh-CN" sz="2400" dirty="0" smtClean="0">
-              <a:solidFill>
-                <a:schemeClr val="tx1">
-                  <a:lumMod val="75000"/>
-                  <a:lumOff val="25000"/>
-                </a:schemeClr>
-              </a:solidFill>
-              <a:latin typeface="微软雅黑" pitchFamily="34" charset="-122"/>
-              <a:ea typeface="微软雅黑" pitchFamily="34" charset="-122"/>
-            </a:endParaRPr>
           </a:p>
         </p:txBody>
       </p:sp>
@@ -6016,16 +6006,6 @@
               </a:rPr>
               <a:t>.</a:t>
             </a:r>
-            <a:endParaRPr lang="en-US" altLang="zh-CN" sz="2400" dirty="0" smtClean="0">
-              <a:solidFill>
-                <a:schemeClr val="tx1">
-                  <a:lumMod val="75000"/>
-                  <a:lumOff val="25000"/>
-                </a:schemeClr>
-              </a:solidFill>
-              <a:latin typeface="微软雅黑" pitchFamily="34" charset="-122"/>
-              <a:ea typeface="微软雅黑" pitchFamily="34" charset="-122"/>
-            </a:endParaRPr>
           </a:p>
         </p:txBody>
       </p:sp>
@@ -14488,7 +14468,7 @@
   <a:extraClrSchemeLst/>
   <a:extLst>
     <a:ext uri="{05A4C25C-085E-4340-85A3-A5531E510DB2}">
-      <thm15:themeFamily xmlns="" xmlns:thm15="http://schemas.microsoft.com/office/thememl/2012/main" name="Office Theme" id="{62F939B6-93AF-4DB8-9C6B-D6C7DFDC589F}" vid="{4A3C46E8-61CC-4603-A589-7422A47A8E4A}"/>
+      <thm15:themeFamily xmlns:thm15="http://schemas.microsoft.com/office/thememl/2012/main" xmlns="" name="Office Theme" id="{62F939B6-93AF-4DB8-9C6B-D6C7DFDC589F}" vid="{4A3C46E8-61CC-4603-A589-7422A47A8E4A}"/>
     </a:ext>
   </a:extLst>
 </a:theme>
